--- a/STT465_10.pptx
+++ b/STT465_10.pptx
@@ -209,7 +209,7 @@
             <a:fld id="{EC2AD4C0-0FC1-44D9-A720-D776D6428221}" type="datetimeFigureOut">
               <a:rPr lang="en-US" smtClean="0"/>
               <a:pPr/>
-              <a:t>10/21/15</a:t>
+              <a:t>11/2/15</a:t>
             </a:fld>
             <a:endParaRPr lang="en-US"/>
           </a:p>
@@ -1564,7 +1564,7 @@
             <a:fld id="{F9C811E6-0209-4075-80E7-F5953C8ECEE3}" type="datetime1">
               <a:rPr lang="en-US" smtClean="0"/>
               <a:pPr/>
-              <a:t>10/21/15</a:t>
+              <a:t>11/2/15</a:t>
             </a:fld>
             <a:endParaRPr lang="en-US"/>
           </a:p>
@@ -1735,7 +1735,7 @@
             <a:fld id="{648E6BB1-E6D9-4EE7-828F-046F7223761D}" type="datetime1">
               <a:rPr lang="en-US" smtClean="0"/>
               <a:pPr/>
-              <a:t>10/21/15</a:t>
+              <a:t>11/2/15</a:t>
             </a:fld>
             <a:endParaRPr lang="en-US"/>
           </a:p>
@@ -1916,7 +1916,7 @@
             <a:fld id="{B4B9C580-A780-4D76-B2D1-C34F1DA97DF0}" type="datetime1">
               <a:rPr lang="en-US" smtClean="0"/>
               <a:pPr/>
-              <a:t>10/21/15</a:t>
+              <a:t>11/2/15</a:t>
             </a:fld>
             <a:endParaRPr lang="en-US"/>
           </a:p>
@@ -2087,7 +2087,7 @@
             <a:fld id="{EB19DDAF-3255-4785-974C-BB4FAF02D67E}" type="datetime1">
               <a:rPr lang="en-US" smtClean="0"/>
               <a:pPr/>
-              <a:t>10/21/15</a:t>
+              <a:t>11/2/15</a:t>
             </a:fld>
             <a:endParaRPr lang="en-US"/>
           </a:p>
@@ -2334,7 +2334,7 @@
             <a:fld id="{C344AF86-11D1-4E84-BA60-17130236FDAA}" type="datetime1">
               <a:rPr lang="en-US" smtClean="0"/>
               <a:pPr/>
-              <a:t>10/21/15</a:t>
+              <a:t>11/2/15</a:t>
             </a:fld>
             <a:endParaRPr lang="en-US"/>
           </a:p>
@@ -2623,7 +2623,7 @@
             <a:fld id="{A8DD670F-7E07-4783-A6F8-B28127B5AF4A}" type="datetime1">
               <a:rPr lang="en-US" smtClean="0"/>
               <a:pPr/>
-              <a:t>10/21/15</a:t>
+              <a:t>11/2/15</a:t>
             </a:fld>
             <a:endParaRPr lang="en-US"/>
           </a:p>
@@ -3046,7 +3046,7 @@
             <a:fld id="{92676DD9-688F-48EE-8233-B3B78BDDA63D}" type="datetime1">
               <a:rPr lang="en-US" smtClean="0"/>
               <a:pPr/>
-              <a:t>10/21/15</a:t>
+              <a:t>11/2/15</a:t>
             </a:fld>
             <a:endParaRPr lang="en-US"/>
           </a:p>
@@ -3165,7 +3165,7 @@
             <a:fld id="{F6CC4A83-AE34-48B8-B90E-70388FDBF0F7}" type="datetime1">
               <a:rPr lang="en-US" smtClean="0"/>
               <a:pPr/>
-              <a:t>10/21/15</a:t>
+              <a:t>11/2/15</a:t>
             </a:fld>
             <a:endParaRPr lang="en-US"/>
           </a:p>
@@ -3261,7 +3261,7 @@
             <a:fld id="{510CA3E2-9601-488E-B92B-23013819BD02}" type="datetime1">
               <a:rPr lang="en-US" smtClean="0"/>
               <a:pPr/>
-              <a:t>10/21/15</a:t>
+              <a:t>11/2/15</a:t>
             </a:fld>
             <a:endParaRPr lang="en-US"/>
           </a:p>
@@ -3539,7 +3539,7 @@
             <a:fld id="{331F1CBD-358A-4E18-86FD-C337233E15F0}" type="datetime1">
               <a:rPr lang="en-US" smtClean="0"/>
               <a:pPr/>
-              <a:t>10/21/15</a:t>
+              <a:t>11/2/15</a:t>
             </a:fld>
             <a:endParaRPr lang="en-US"/>
           </a:p>
@@ -3793,7 +3793,7 @@
             <a:fld id="{3CB4F0D5-901F-4458-A8F8-F062616694B4}" type="datetime1">
               <a:rPr lang="en-US" smtClean="0"/>
               <a:pPr/>
-              <a:t>10/21/15</a:t>
+              <a:t>11/2/15</a:t>
             </a:fld>
             <a:endParaRPr lang="en-US"/>
           </a:p>
@@ -4007,7 +4007,7 @@
             <a:fld id="{F77D84EF-BDBF-448B-906E-D51D4CAF22DC}" type="datetime1">
               <a:rPr lang="en-US" smtClean="0"/>
               <a:pPr/>
-              <a:t>10/21/15</a:t>
+              <a:t>11/2/15</a:t>
             </a:fld>
             <a:endParaRPr lang="en-US"/>
           </a:p>
@@ -4461,17 +4461,7 @@
                   </a:schemeClr>
                 </a:solidFill>
               </a:rPr>
-              <a:t>I. </a:t>
-            </a:r>
-            <a:r>
-              <a:rPr lang="en-US" sz="3200" dirty="0" smtClean="0">
-                <a:solidFill>
-                  <a:schemeClr val="accent2">
-                    <a:lumMod val="75000"/>
-                  </a:schemeClr>
-                </a:solidFill>
-              </a:rPr>
-              <a:t>Multivariate Normal Distribution</a:t>
+              <a:t>I. Multivariate Normal Distribution</a:t>
             </a:r>
             <a:br>
               <a:rPr lang="en-US" sz="3200" dirty="0" smtClean="0">
@@ -4492,13 +4482,6 @@
               </a:rPr>
               <a:t>II. Bayesian Multiple Linear Regression</a:t>
             </a:r>
-            <a:endParaRPr lang="en-US" sz="3200" dirty="0" smtClean="0">
-              <a:solidFill>
-                <a:schemeClr val="accent2">
-                  <a:lumMod val="75000"/>
-                </a:schemeClr>
-              </a:solidFill>
-            </a:endParaRPr>
           </a:p>
         </p:txBody>
       </p:sp>
@@ -4930,7 +4913,7 @@
           <a:graphicData uri="http://schemas.openxmlformats.org/presentationml/2006/ole">
             <mc:AlternateContent xmlns:mc="http://schemas.openxmlformats.org/markup-compatibility/2006">
               <mc:Choice xmlns:v="urn:schemas-microsoft-com:vml" Requires="v">
-                <p:oleObj spid="_x0000_s30726" name="Equation" r:id="rId4" imgW="1562100" imgH="482600" progId="Equation.3">
+                <p:oleObj spid="_x0000_s30732" name="Equation" r:id="rId4" imgW="1562100" imgH="482600" progId="Equation.3">
                   <p:embed/>
                 </p:oleObj>
               </mc:Choice>
@@ -4974,7 +4957,7 @@
           <p:nvPr>
             <p:extLst>
               <p:ext uri="{D42A27DB-BD31-4B8C-83A1-F6EECF244321}">
-                <p14:modId xmlns:p14="http://schemas.microsoft.com/office/powerpoint/2010/main" val="3047748565"/>
+                <p14:modId xmlns:p14="http://schemas.microsoft.com/office/powerpoint/2010/main" val="1811124266"/>
               </p:ext>
             </p:extLst>
           </p:nvPr>
@@ -4987,7 +4970,7 @@
           <a:graphicData uri="http://schemas.openxmlformats.org/presentationml/2006/ole">
             <mc:AlternateContent xmlns:mc="http://schemas.openxmlformats.org/markup-compatibility/2006">
               <mc:Choice xmlns:v="urn:schemas-microsoft-com:vml" Requires="v">
-                <p:oleObj spid="_x0000_s30727" name="Equation" r:id="rId6" imgW="3632200" imgH="622300" progId="Equation.3">
+                <p:oleObj spid="_x0000_s30733" name="Equation" r:id="rId6" imgW="3632200" imgH="622300" progId="Equation.3">
                   <p:embed/>
                 </p:oleObj>
               </mc:Choice>
@@ -5031,25 +5014,25 @@
           <p:nvPr>
             <p:extLst>
               <p:ext uri="{D42A27DB-BD31-4B8C-83A1-F6EECF244321}">
-                <p14:modId xmlns:p14="http://schemas.microsoft.com/office/powerpoint/2010/main" val="4291197669"/>
+                <p14:modId xmlns:p14="http://schemas.microsoft.com/office/powerpoint/2010/main" val="2810999712"/>
               </p:ext>
             </p:extLst>
           </p:nvPr>
         </p:nvGraphicFramePr>
         <p:xfrm>
-          <a:off x="381000" y="2438400"/>
-          <a:ext cx="7910513" cy="1309688"/>
+          <a:off x="231775" y="2425700"/>
+          <a:ext cx="8210550" cy="1336675"/>
         </p:xfrm>
         <a:graphic>
           <a:graphicData uri="http://schemas.openxmlformats.org/presentationml/2006/ole">
             <mc:AlternateContent xmlns:mc="http://schemas.openxmlformats.org/markup-compatibility/2006">
               <mc:Choice xmlns:v="urn:schemas-microsoft-com:vml" Requires="v">
-                <p:oleObj spid="_x0000_s30728" name="Equation" r:id="rId8" imgW="3683000" imgH="609600" progId="Equation.3">
+                <p:oleObj spid="_x0000_s30734" name="Equation" r:id="rId8" imgW="3822700" imgH="622300" progId="Equation.3">
                   <p:embed/>
                 </p:oleObj>
               </mc:Choice>
               <mc:Fallback>
-                <p:oleObj name="Equation" r:id="rId8" imgW="3683000" imgH="609600" progId="Equation.3">
+                <p:oleObj name="Equation" r:id="rId8" imgW="3822700" imgH="622300" progId="Equation.3">
                   <p:embed/>
                   <p:pic>
                     <p:nvPicPr>
@@ -5065,8 +5048,8 @@
                     </p:blipFill>
                     <p:spPr>
                       <a:xfrm>
-                        <a:off x="381000" y="2438400"/>
-                        <a:ext cx="7910513" cy="1309688"/>
+                        <a:off x="231775" y="2425700"/>
+                        <a:ext cx="8210550" cy="1336675"/>
                       </a:xfrm>
                       <a:prstGeom prst="rect">
                         <a:avLst/>
@@ -5101,7 +5084,7 @@
           <a:graphicData uri="http://schemas.openxmlformats.org/presentationml/2006/ole">
             <mc:AlternateContent xmlns:mc="http://schemas.openxmlformats.org/markup-compatibility/2006">
               <mc:Choice xmlns:v="urn:schemas-microsoft-com:vml" Requires="v">
-                <p:oleObj spid="_x0000_s30729" name="Equation" r:id="rId10" imgW="1244600" imgH="736600" progId="Equation.3">
+                <p:oleObj spid="_x0000_s30735" name="Equation" r:id="rId10" imgW="1244600" imgH="736600" progId="Equation.3">
                   <p:embed/>
                 </p:oleObj>
               </mc:Choice>
@@ -5158,7 +5141,7 @@
           <a:graphicData uri="http://schemas.openxmlformats.org/presentationml/2006/ole">
             <mc:AlternateContent xmlns:mc="http://schemas.openxmlformats.org/markup-compatibility/2006">
               <mc:Choice xmlns:v="urn:schemas-microsoft-com:vml" Requires="v">
-                <p:oleObj spid="_x0000_s30730" name="Equation" r:id="rId12" imgW="2006600" imgH="482600" progId="Equation.3">
+                <p:oleObj spid="_x0000_s30736" name="Equation" r:id="rId12" imgW="2006600" imgH="482600" progId="Equation.3">
                   <p:embed/>
                 </p:oleObj>
               </mc:Choice>
@@ -5581,7 +5564,7 @@
           <a:graphicData uri="http://schemas.openxmlformats.org/presentationml/2006/ole">
             <mc:AlternateContent xmlns:mc="http://schemas.openxmlformats.org/markup-compatibility/2006">
               <mc:Choice xmlns:v="urn:schemas-microsoft-com:vml" Requires="v">
-                <p:oleObj spid="_x0000_s31750" name="Equation" r:id="rId4" imgW="1562100" imgH="482600" progId="Equation.3">
+                <p:oleObj spid="_x0000_s31756" name="Equation" r:id="rId4" imgW="1562100" imgH="482600" progId="Equation.3">
                   <p:embed/>
                 </p:oleObj>
               </mc:Choice>
@@ -5638,7 +5621,7 @@
           <a:graphicData uri="http://schemas.openxmlformats.org/presentationml/2006/ole">
             <mc:AlternateContent xmlns:mc="http://schemas.openxmlformats.org/markup-compatibility/2006">
               <mc:Choice xmlns:v="urn:schemas-microsoft-com:vml" Requires="v">
-                <p:oleObj spid="_x0000_s31751" name="Equation" r:id="rId6" imgW="901700" imgH="292100" progId="Equation.3">
+                <p:oleObj spid="_x0000_s31757" name="Equation" r:id="rId6" imgW="901700" imgH="292100" progId="Equation.3">
                   <p:embed/>
                 </p:oleObj>
               </mc:Choice>
@@ -5695,7 +5678,7 @@
           <a:graphicData uri="http://schemas.openxmlformats.org/presentationml/2006/ole">
             <mc:AlternateContent xmlns:mc="http://schemas.openxmlformats.org/markup-compatibility/2006">
               <mc:Choice xmlns:v="urn:schemas-microsoft-com:vml" Requires="v">
-                <p:oleObj spid="_x0000_s31752" name="Equation" r:id="rId8" imgW="1206500" imgH="736600" progId="Equation.3">
+                <p:oleObj spid="_x0000_s31758" name="Equation" r:id="rId8" imgW="1206500" imgH="736600" progId="Equation.3">
                   <p:embed/>
                 </p:oleObj>
               </mc:Choice>
@@ -5752,7 +5735,7 @@
           <a:graphicData uri="http://schemas.openxmlformats.org/presentationml/2006/ole">
             <mc:AlternateContent xmlns:mc="http://schemas.openxmlformats.org/markup-compatibility/2006">
               <mc:Choice xmlns:v="urn:schemas-microsoft-com:vml" Requires="v">
-                <p:oleObj spid="_x0000_s31753" name="Equation" r:id="rId10" imgW="1447800" imgH="431800" progId="Equation.3">
+                <p:oleObj spid="_x0000_s31759" name="Equation" r:id="rId10" imgW="1447800" imgH="431800" progId="Equation.3">
                   <p:embed/>
                 </p:oleObj>
               </mc:Choice>
@@ -5809,7 +5792,7 @@
           <a:graphicData uri="http://schemas.openxmlformats.org/presentationml/2006/ole">
             <mc:AlternateContent xmlns:mc="http://schemas.openxmlformats.org/markup-compatibility/2006">
               <mc:Choice xmlns:v="urn:schemas-microsoft-com:vml" Requires="v">
-                <p:oleObj spid="_x0000_s31754" name="Equation" r:id="rId12" imgW="1993900" imgH="431800" progId="Equation.3">
+                <p:oleObj spid="_x0000_s31760" name="Equation" r:id="rId12" imgW="1993900" imgH="431800" progId="Equation.3">
                   <p:embed/>
                 </p:oleObj>
               </mc:Choice>
@@ -6185,7 +6168,7 @@
           <a:graphicData uri="http://schemas.openxmlformats.org/presentationml/2006/ole">
             <mc:AlternateContent xmlns:mc="http://schemas.openxmlformats.org/markup-compatibility/2006">
               <mc:Choice xmlns:v="urn:schemas-microsoft-com:vml" Requires="v">
-                <p:oleObj spid="_x0000_s22537" name="Equation" r:id="rId4" imgW="977900" imgH="431800" progId="Equation.3">
+                <p:oleObj spid="_x0000_s22542" name="Equation" r:id="rId4" imgW="977900" imgH="431800" progId="Equation.3">
                   <p:embed/>
                 </p:oleObj>
               </mc:Choice>
@@ -6242,7 +6225,7 @@
           <a:graphicData uri="http://schemas.openxmlformats.org/presentationml/2006/ole">
             <mc:AlternateContent xmlns:mc="http://schemas.openxmlformats.org/markup-compatibility/2006">
               <mc:Choice xmlns:v="urn:schemas-microsoft-com:vml" Requires="v">
-                <p:oleObj spid="_x0000_s22538" name="Equation" r:id="rId6" imgW="876300" imgH="533400" progId="Equation.3">
+                <p:oleObj spid="_x0000_s22543" name="Equation" r:id="rId6" imgW="876300" imgH="533400" progId="Equation.3">
                   <p:embed/>
                 </p:oleObj>
               </mc:Choice>
@@ -6299,7 +6282,7 @@
           <a:graphicData uri="http://schemas.openxmlformats.org/presentationml/2006/ole">
             <mc:AlternateContent xmlns:mc="http://schemas.openxmlformats.org/markup-compatibility/2006">
               <mc:Choice xmlns:v="urn:schemas-microsoft-com:vml" Requires="v">
-                <p:oleObj spid="_x0000_s22539" name="Equation" r:id="rId8" imgW="914400" imgH="533400" progId="Equation.3">
+                <p:oleObj spid="_x0000_s22544" name="Equation" r:id="rId8" imgW="914400" imgH="533400" progId="Equation.3">
                   <p:embed/>
                 </p:oleObj>
               </mc:Choice>
@@ -6356,7 +6339,7 @@
           <a:graphicData uri="http://schemas.openxmlformats.org/presentationml/2006/ole">
             <mc:AlternateContent xmlns:mc="http://schemas.openxmlformats.org/markup-compatibility/2006">
               <mc:Choice xmlns:v="urn:schemas-microsoft-com:vml" Requires="v">
-                <p:oleObj spid="_x0000_s22540" name="Equation" r:id="rId10" imgW="3060700" imgH="1117600" progId="Equation.3">
+                <p:oleObj spid="_x0000_s22545" name="Equation" r:id="rId10" imgW="3060700" imgH="1117600" progId="Equation.3">
                   <p:embed/>
                 </p:oleObj>
               </mc:Choice>
@@ -6732,7 +6715,7 @@
           <a:graphicData uri="http://schemas.openxmlformats.org/presentationml/2006/ole">
             <mc:AlternateContent xmlns:mc="http://schemas.openxmlformats.org/markup-compatibility/2006">
               <mc:Choice xmlns:v="urn:schemas-microsoft-com:vml" Requires="v">
-                <p:oleObj spid="_x0000_s23556" name="Equation" r:id="rId4" imgW="3060700" imgH="622300" progId="Equation.3">
+                <p:oleObj spid="_x0000_s23558" name="Equation" r:id="rId4" imgW="3060700" imgH="622300" progId="Equation.3">
                   <p:embed/>
                 </p:oleObj>
               </mc:Choice>
@@ -7108,7 +7091,7 @@
           <a:graphicData uri="http://schemas.openxmlformats.org/presentationml/2006/ole">
             <mc:AlternateContent xmlns:mc="http://schemas.openxmlformats.org/markup-compatibility/2006">
               <mc:Choice xmlns:v="urn:schemas-microsoft-com:vml" Requires="v">
-                <p:oleObj spid="_x0000_s24579" name="Equation" r:id="rId4" imgW="2730500" imgH="762000" progId="Equation.3">
+                <p:oleObj spid="_x0000_s24581" name="Equation" r:id="rId4" imgW="2730500" imgH="762000" progId="Equation.3">
                   <p:embed/>
                 </p:oleObj>
               </mc:Choice>
@@ -7568,7 +7551,7 @@
           <a:graphicData uri="http://schemas.openxmlformats.org/presentationml/2006/ole">
             <mc:AlternateContent xmlns:mc="http://schemas.openxmlformats.org/markup-compatibility/2006">
               <mc:Choice xmlns:v="urn:schemas-microsoft-com:vml" Requires="v">
-                <p:oleObj spid="_x0000_s25609" name="Equation" r:id="rId4" imgW="2730500" imgH="762000" progId="Equation.3">
+                <p:oleObj spid="_x0000_s25614" name="Equation" r:id="rId4" imgW="2730500" imgH="762000" progId="Equation.3">
                   <p:embed/>
                 </p:oleObj>
               </mc:Choice>
@@ -7625,7 +7608,7 @@
           <a:graphicData uri="http://schemas.openxmlformats.org/presentationml/2006/ole">
             <mc:AlternateContent xmlns:mc="http://schemas.openxmlformats.org/markup-compatibility/2006">
               <mc:Choice xmlns:v="urn:schemas-microsoft-com:vml" Requires="v">
-                <p:oleObj spid="_x0000_s25610" name="Equation" r:id="rId6" imgW="977900" imgH="431800" progId="Equation.3">
+                <p:oleObj spid="_x0000_s25615" name="Equation" r:id="rId6" imgW="977900" imgH="431800" progId="Equation.3">
                   <p:embed/>
                 </p:oleObj>
               </mc:Choice>
@@ -7682,7 +7665,7 @@
           <a:graphicData uri="http://schemas.openxmlformats.org/presentationml/2006/ole">
             <mc:AlternateContent xmlns:mc="http://schemas.openxmlformats.org/markup-compatibility/2006">
               <mc:Choice xmlns:v="urn:schemas-microsoft-com:vml" Requires="v">
-                <p:oleObj spid="_x0000_s25611" name="Equation" r:id="rId8" imgW="3378200" imgH="457200" progId="Equation.3">
+                <p:oleObj spid="_x0000_s25616" name="Equation" r:id="rId8" imgW="3378200" imgH="457200" progId="Equation.3">
                   <p:embed/>
                 </p:oleObj>
               </mc:Choice>
@@ -7739,7 +7722,7 @@
           <a:graphicData uri="http://schemas.openxmlformats.org/presentationml/2006/ole">
             <mc:AlternateContent xmlns:mc="http://schemas.openxmlformats.org/markup-compatibility/2006">
               <mc:Choice xmlns:v="urn:schemas-microsoft-com:vml" Requires="v">
-                <p:oleObj spid="_x0000_s25612" name="Equation" r:id="rId10" imgW="3860800" imgH="1422400" progId="Equation.3">
+                <p:oleObj spid="_x0000_s25617" name="Equation" r:id="rId10" imgW="3860800" imgH="1422400" progId="Equation.3">
                   <p:embed/>
                 </p:oleObj>
               </mc:Choice>
@@ -8028,17 +8011,7 @@
                   </a:schemeClr>
                 </a:solidFill>
               </a:rPr>
-              <a:t>Bayesian Multiple </a:t>
-            </a:r>
-            <a:r>
-              <a:rPr lang="en-US" sz="3200" dirty="0" smtClean="0">
-                <a:solidFill>
-                  <a:schemeClr val="accent2">
-                    <a:lumMod val="75000"/>
-                  </a:schemeClr>
-                </a:solidFill>
-              </a:rPr>
-              <a:t>Linear Regression</a:t>
+              <a:t>Bayesian Multiple Linear Regression</a:t>
             </a:r>
             <a:endParaRPr lang="en-US" sz="3200" dirty="0">
               <a:solidFill>
@@ -8326,27 +8299,7 @@
                   </a:schemeClr>
                 </a:solidFill>
               </a:rPr>
-              <a:t>Stack equations </a:t>
-            </a:r>
-            <a:r>
-              <a:rPr lang="en-US" sz="2000" dirty="0" smtClean="0">
-                <a:solidFill>
-                  <a:schemeClr val="accent1">
-                    <a:lumMod val="75000"/>
-                  </a:schemeClr>
-                </a:solidFill>
-              </a:rPr>
-              <a:t>1-n </a:t>
-            </a:r>
-            <a:r>
-              <a:rPr lang="en-US" sz="2000" dirty="0" smtClean="0">
-                <a:solidFill>
-                  <a:schemeClr val="accent1">
-                    <a:lumMod val="75000"/>
-                  </a:schemeClr>
-                </a:solidFill>
-              </a:rPr>
-              <a:t>to get</a:t>
+              <a:t>Stack equations 1-n to get</a:t>
             </a:r>
             <a:endParaRPr lang="en-US" dirty="0">
               <a:solidFill>
@@ -8485,7 +8438,7 @@
           <a:graphicData uri="http://schemas.openxmlformats.org/presentationml/2006/ole">
             <mc:AlternateContent xmlns:mc="http://schemas.openxmlformats.org/markup-compatibility/2006">
               <mc:Choice xmlns:v="urn:schemas-microsoft-com:vml" Requires="v">
-                <p:oleObj spid="_x0000_s1049" name="Equation" r:id="rId4" imgW="1092200" imgH="330200" progId="Equation.3">
+                <p:oleObj spid="_x0000_s1058" name="Equation" r:id="rId4" imgW="1092200" imgH="330200" progId="Equation.3">
                   <p:embed/>
                 </p:oleObj>
               </mc:Choice>
@@ -8542,7 +8495,7 @@
           <a:graphicData uri="http://schemas.openxmlformats.org/presentationml/2006/ole">
             <mc:AlternateContent xmlns:mc="http://schemas.openxmlformats.org/markup-compatibility/2006">
               <mc:Choice xmlns:v="urn:schemas-microsoft-com:vml" Requires="v">
-                <p:oleObj spid="_x0000_s1050" name="Equation" r:id="rId6" imgW="1295400" imgH="266700" progId="Equation.3">
+                <p:oleObj spid="_x0000_s1059" name="Equation" r:id="rId6" imgW="1295400" imgH="266700" progId="Equation.3">
                   <p:embed/>
                 </p:oleObj>
               </mc:Choice>
@@ -8599,7 +8552,7 @@
           <a:graphicData uri="http://schemas.openxmlformats.org/presentationml/2006/ole">
             <mc:AlternateContent xmlns:mc="http://schemas.openxmlformats.org/markup-compatibility/2006">
               <mc:Choice xmlns:v="urn:schemas-microsoft-com:vml" Requires="v">
-                <p:oleObj spid="_x0000_s1051" name="Equation" r:id="rId8" imgW="1308100" imgH="342900" progId="Equation.3">
+                <p:oleObj spid="_x0000_s1060" name="Equation" r:id="rId8" imgW="1308100" imgH="342900" progId="Equation.3">
                   <p:embed/>
                 </p:oleObj>
               </mc:Choice>
@@ -8656,7 +8609,7 @@
           <a:graphicData uri="http://schemas.openxmlformats.org/presentationml/2006/ole">
             <mc:AlternateContent xmlns:mc="http://schemas.openxmlformats.org/markup-compatibility/2006">
               <mc:Choice xmlns:v="urn:schemas-microsoft-com:vml" Requires="v">
-                <p:oleObj spid="_x0000_s1052" name="Equation" r:id="rId10" imgW="723900" imgH="215900" progId="Equation.3">
+                <p:oleObj spid="_x0000_s1061" name="Equation" r:id="rId10" imgW="723900" imgH="215900" progId="Equation.3">
                   <p:embed/>
                 </p:oleObj>
               </mc:Choice>
@@ -8713,7 +8666,7 @@
           <a:graphicData uri="http://schemas.openxmlformats.org/presentationml/2006/ole">
             <mc:AlternateContent xmlns:mc="http://schemas.openxmlformats.org/markup-compatibility/2006">
               <mc:Choice xmlns:v="urn:schemas-microsoft-com:vml" Requires="v">
-                <p:oleObj spid="_x0000_s1053" name="Equation" r:id="rId12" imgW="673100" imgH="203200" progId="Equation.3">
+                <p:oleObj spid="_x0000_s1062" name="Equation" r:id="rId12" imgW="673100" imgH="203200" progId="Equation.3">
                   <p:embed/>
                 </p:oleObj>
               </mc:Choice>
@@ -8770,7 +8723,7 @@
           <a:graphicData uri="http://schemas.openxmlformats.org/presentationml/2006/ole">
             <mc:AlternateContent xmlns:mc="http://schemas.openxmlformats.org/markup-compatibility/2006">
               <mc:Choice xmlns:v="urn:schemas-microsoft-com:vml" Requires="v">
-                <p:oleObj spid="_x0000_s1054" name="Equation" r:id="rId14" imgW="914400" imgH="317500" progId="Equation.3">
+                <p:oleObj spid="_x0000_s1063" name="Equation" r:id="rId14" imgW="914400" imgH="317500" progId="Equation.3">
                   <p:embed/>
                 </p:oleObj>
               </mc:Choice>
@@ -8827,7 +8780,7 @@
           <a:graphicData uri="http://schemas.openxmlformats.org/presentationml/2006/ole">
             <mc:AlternateContent xmlns:mc="http://schemas.openxmlformats.org/markup-compatibility/2006">
               <mc:Choice xmlns:v="urn:schemas-microsoft-com:vml" Requires="v">
-                <p:oleObj spid="_x0000_s1055" name="Equation" r:id="rId16" imgW="1371600" imgH="241300" progId="Equation.3">
+                <p:oleObj spid="_x0000_s1064" name="Equation" r:id="rId16" imgW="1371600" imgH="241300" progId="Equation.3">
                   <p:embed/>
                 </p:oleObj>
               </mc:Choice>
@@ -8884,7 +8837,7 @@
           <a:graphicData uri="http://schemas.openxmlformats.org/presentationml/2006/ole">
             <mc:AlternateContent xmlns:mc="http://schemas.openxmlformats.org/markup-compatibility/2006">
               <mc:Choice xmlns:v="urn:schemas-microsoft-com:vml" Requires="v">
-                <p:oleObj spid="_x0000_s1056" name="Equation" r:id="rId18" imgW="914400" imgH="317500" progId="Equation.3">
+                <p:oleObj spid="_x0000_s1065" name="Equation" r:id="rId18" imgW="914400" imgH="317500" progId="Equation.3">
                   <p:embed/>
                 </p:oleObj>
               </mc:Choice>
@@ -8986,17 +8939,7 @@
                   </a:schemeClr>
                 </a:solidFill>
               </a:rPr>
-              <a:t>Likelihood (cont</a:t>
-            </a:r>
-            <a:r>
-              <a:rPr lang="en-US" sz="3200" dirty="0" smtClean="0">
-                <a:solidFill>
-                  <a:schemeClr val="accent2">
-                    <a:lumMod val="75000"/>
-                  </a:schemeClr>
-                </a:solidFill>
-              </a:rPr>
-              <a:t>.)</a:t>
+              <a:t>Likelihood (cont.)</a:t>
             </a:r>
             <a:endParaRPr lang="en-US" sz="3200" dirty="0">
               <a:solidFill>
@@ -9289,7 +9232,7 @@
           <a:graphicData uri="http://schemas.openxmlformats.org/presentationml/2006/ole">
             <mc:AlternateContent xmlns:mc="http://schemas.openxmlformats.org/markup-compatibility/2006">
               <mc:Choice xmlns:v="urn:schemas-microsoft-com:vml" Requires="v">
-                <p:oleObj spid="_x0000_s29709" name="Equation" r:id="rId4" imgW="495300" imgH="203200" progId="Equation.3">
+                <p:oleObj spid="_x0000_s29714" name="Equation" r:id="rId4" imgW="495300" imgH="203200" progId="Equation.3">
                   <p:embed/>
                 </p:oleObj>
               </mc:Choice>
@@ -9346,7 +9289,7 @@
           <a:graphicData uri="http://schemas.openxmlformats.org/presentationml/2006/ole">
             <mc:AlternateContent xmlns:mc="http://schemas.openxmlformats.org/markup-compatibility/2006">
               <mc:Choice xmlns:v="urn:schemas-microsoft-com:vml" Requires="v">
-                <p:oleObj spid="_x0000_s29710" name="Equation" r:id="rId6" imgW="3060700" imgH="622300" progId="Equation.3">
+                <p:oleObj spid="_x0000_s29715" name="Equation" r:id="rId6" imgW="3060700" imgH="622300" progId="Equation.3">
                   <p:embed/>
                 </p:oleObj>
               </mc:Choice>
@@ -9403,7 +9346,7 @@
           <a:graphicData uri="http://schemas.openxmlformats.org/presentationml/2006/ole">
             <mc:AlternateContent xmlns:mc="http://schemas.openxmlformats.org/markup-compatibility/2006">
               <mc:Choice xmlns:v="urn:schemas-microsoft-com:vml" Requires="v">
-                <p:oleObj spid="_x0000_s29711" name="Equation" r:id="rId8" imgW="381000" imgH="152400" progId="Equation.3">
+                <p:oleObj spid="_x0000_s29716" name="Equation" r:id="rId8" imgW="381000" imgH="152400" progId="Equation.3">
                   <p:embed/>
                 </p:oleObj>
               </mc:Choice>
@@ -9447,25 +9390,25 @@
           <p:nvPr>
             <p:extLst>
               <p:ext uri="{D42A27DB-BD31-4B8C-83A1-F6EECF244321}">
-                <p14:modId xmlns:p14="http://schemas.microsoft.com/office/powerpoint/2010/main" val="3391320071"/>
+                <p14:modId xmlns:p14="http://schemas.microsoft.com/office/powerpoint/2010/main" val="2763055373"/>
               </p:ext>
             </p:extLst>
           </p:nvPr>
         </p:nvGraphicFramePr>
         <p:xfrm>
-          <a:off x="533400" y="3124200"/>
-          <a:ext cx="8156575" cy="1447800"/>
+          <a:off x="709613" y="3178175"/>
+          <a:ext cx="7802562" cy="1339850"/>
         </p:xfrm>
         <a:graphic>
           <a:graphicData uri="http://schemas.openxmlformats.org/presentationml/2006/ole">
             <mc:AlternateContent xmlns:mc="http://schemas.openxmlformats.org/markup-compatibility/2006">
               <mc:Choice xmlns:v="urn:schemas-microsoft-com:vml" Requires="v">
-                <p:oleObj spid="_x0000_s29712" name="Equation" r:id="rId10" imgW="3797300" imgH="673100" progId="Equation.3">
+                <p:oleObj spid="_x0000_s29717" name="Equation" r:id="rId10" imgW="3632200" imgH="622300" progId="Equation.3">
                   <p:embed/>
                 </p:oleObj>
               </mc:Choice>
               <mc:Fallback>
-                <p:oleObj name="Equation" r:id="rId10" imgW="3797300" imgH="673100" progId="Equation.3">
+                <p:oleObj name="Equation" r:id="rId10" imgW="3632200" imgH="622300" progId="Equation.3">
                   <p:embed/>
                   <p:pic>
                     <p:nvPicPr>
@@ -9481,8 +9424,8 @@
                     </p:blipFill>
                     <p:spPr>
                       <a:xfrm>
-                        <a:off x="533400" y="3124200"/>
-                        <a:ext cx="8156575" cy="1447800"/>
+                        <a:off x="709613" y="3178175"/>
+                        <a:ext cx="7802562" cy="1339850"/>
                       </a:xfrm>
                       <a:prstGeom prst="rect">
                         <a:avLst/>
@@ -9796,25 +9739,25 @@
           <p:nvPr>
             <p:extLst>
               <p:ext uri="{D42A27DB-BD31-4B8C-83A1-F6EECF244321}">
-                <p14:modId xmlns:p14="http://schemas.microsoft.com/office/powerpoint/2010/main" val="2501188707"/>
+                <p14:modId xmlns:p14="http://schemas.microsoft.com/office/powerpoint/2010/main" val="422493761"/>
               </p:ext>
             </p:extLst>
           </p:nvPr>
         </p:nvGraphicFramePr>
         <p:xfrm>
-          <a:off x="533400" y="1600200"/>
-          <a:ext cx="7910513" cy="1309688"/>
+          <a:off x="533399" y="1611794"/>
+          <a:ext cx="8061325" cy="1312381"/>
         </p:xfrm>
         <a:graphic>
           <a:graphicData uri="http://schemas.openxmlformats.org/presentationml/2006/ole">
             <mc:AlternateContent xmlns:mc="http://schemas.openxmlformats.org/markup-compatibility/2006">
               <mc:Choice xmlns:v="urn:schemas-microsoft-com:vml" Requires="v">
-                <p:oleObj spid="_x0000_s28687" name="Equation" r:id="rId4" imgW="3683000" imgH="609600" progId="Equation.3">
+                <p:oleObj spid="_x0000_s28689" name="Equation" r:id="rId4" imgW="3822700" imgH="622300" progId="Equation.3">
                   <p:embed/>
                 </p:oleObj>
               </mc:Choice>
               <mc:Fallback>
-                <p:oleObj name="Equation" r:id="rId4" imgW="3683000" imgH="609600" progId="Equation.3">
+                <p:oleObj name="Equation" r:id="rId4" imgW="3822700" imgH="622300" progId="Equation.3">
                   <p:embed/>
                   <p:pic>
                     <p:nvPicPr>
@@ -9830,8 +9773,8 @@
                     </p:blipFill>
                     <p:spPr>
                       <a:xfrm>
-                        <a:off x="533400" y="1600200"/>
-                        <a:ext cx="7910513" cy="1309688"/>
+                        <a:off x="533399" y="1611794"/>
+                        <a:ext cx="8061325" cy="1312381"/>
                       </a:xfrm>
                       <a:prstGeom prst="rect">
                         <a:avLst/>
